--- a/Big Mountain resort’s ticket prices this season.pptx
+++ b/Big Mountain resort’s ticket prices this season.pptx
@@ -107,6 +107,11 @@
       </a:defRPr>
     </a:lvl9pPr>
   </p:defaultTextStyle>
+  <p:extLst>
+    <p:ext uri="{EFAFB233-063F-42B5-8137-9DF3F51BA10A}">
+      <p15:sldGuideLst xmlns:p15="http://schemas.microsoft.com/office/powerpoint/2012/main"/>
+    </p:ext>
+  </p:extLst>
 </p:presentation>
 </file>
 
@@ -160,7 +165,7 @@
           <a:noFill/>
           <a:extLst>
             <a:ext uri="{909E8E84-426E-40dd-AFC4-6F175D3DCCD1}">
-              <a14:hiddenFill xmlns:a14="http://schemas.microsoft.com/office/drawing/2010/main" xmlns="">
+              <a14:hiddenFill xmlns="" xmlns:a14="http://schemas.microsoft.com/office/drawing/2010/main">
                 <a:solidFill>
                   <a:srgbClr val="FFFFFF"/>
                 </a:solidFill>
@@ -220,7 +225,7 @@
             </a:ln>
             <a:extLst>
               <a:ext uri="{91240B29-F687-4f45-9708-019B960494DF}">
-                <a14:hiddenLine xmlns:a14="http://schemas.microsoft.com/office/drawing/2010/main" xmlns="" w="9525">
+                <a14:hiddenLine xmlns="" xmlns:a14="http://schemas.microsoft.com/office/drawing/2010/main" w="9525">
                   <a:solidFill>
                     <a:srgbClr val="000000"/>
                   </a:solidFill>
@@ -310,7 +315,7 @@
             </a:ln>
             <a:extLst>
               <a:ext uri="{91240B29-F687-4f45-9708-019B960494DF}">
-                <a14:hiddenLine xmlns:a14="http://schemas.microsoft.com/office/drawing/2010/main" xmlns="" w="9525">
+                <a14:hiddenLine xmlns="" xmlns:a14="http://schemas.microsoft.com/office/drawing/2010/main" w="9525">
                   <a:solidFill>
                     <a:srgbClr val="000000"/>
                   </a:solidFill>
@@ -400,7 +405,7 @@
             </a:ln>
             <a:extLst>
               <a:ext uri="{91240B29-F687-4f45-9708-019B960494DF}">
-                <a14:hiddenLine xmlns:a14="http://schemas.microsoft.com/office/drawing/2010/main" xmlns="" w="9525">
+                <a14:hiddenLine xmlns="" xmlns:a14="http://schemas.microsoft.com/office/drawing/2010/main" w="9525">
                   <a:solidFill>
                     <a:srgbClr val="000000"/>
                   </a:solidFill>
@@ -434,7 +439,7 @@
             </a:ln>
             <a:extLst>
               <a:ext uri="{91240B29-F687-4f45-9708-019B960494DF}">
-                <a14:hiddenLine xmlns:a14="http://schemas.microsoft.com/office/drawing/2010/main" xmlns="" w="9525">
+                <a14:hiddenLine xmlns="" xmlns:a14="http://schemas.microsoft.com/office/drawing/2010/main" w="9525">
                   <a:solidFill>
                     <a:srgbClr val="000000"/>
                   </a:solidFill>
@@ -524,7 +529,7 @@
             </a:ln>
             <a:extLst>
               <a:ext uri="{91240B29-F687-4f45-9708-019B960494DF}">
-                <a14:hiddenLine xmlns:a14="http://schemas.microsoft.com/office/drawing/2010/main" xmlns="" w="9525">
+                <a14:hiddenLine xmlns="" xmlns:a14="http://schemas.microsoft.com/office/drawing/2010/main" w="9525">
                   <a:solidFill>
                     <a:srgbClr val="000000"/>
                   </a:solidFill>
@@ -586,7 +591,7 @@
             </a:ln>
             <a:extLst>
               <a:ext uri="{91240B29-F687-4f45-9708-019B960494DF}">
-                <a14:hiddenLine xmlns:a14="http://schemas.microsoft.com/office/drawing/2010/main" xmlns="" w="9525">
+                <a14:hiddenLine xmlns="" xmlns:a14="http://schemas.microsoft.com/office/drawing/2010/main" w="9525">
                   <a:solidFill>
                     <a:srgbClr val="000000"/>
                   </a:solidFill>
@@ -648,7 +653,7 @@
             </a:ln>
             <a:extLst>
               <a:ext uri="{91240B29-F687-4f45-9708-019B960494DF}">
-                <a14:hiddenLine xmlns:a14="http://schemas.microsoft.com/office/drawing/2010/main" xmlns="" w="9525">
+                <a14:hiddenLine xmlns="" xmlns:a14="http://schemas.microsoft.com/office/drawing/2010/main" w="9525">
                   <a:solidFill>
                     <a:srgbClr val="000000"/>
                   </a:solidFill>
@@ -738,7 +743,7 @@
             </a:ln>
             <a:extLst>
               <a:ext uri="{91240B29-F687-4f45-9708-019B960494DF}">
-                <a14:hiddenLine xmlns:a14="http://schemas.microsoft.com/office/drawing/2010/main" xmlns="" w="9525">
+                <a14:hiddenLine xmlns="" xmlns:a14="http://schemas.microsoft.com/office/drawing/2010/main" w="9525">
                   <a:solidFill>
                     <a:srgbClr val="000000"/>
                   </a:solidFill>
@@ -800,7 +805,7 @@
             </a:ln>
             <a:extLst>
               <a:ext uri="{91240B29-F687-4f45-9708-019B960494DF}">
-                <a14:hiddenLine xmlns:a14="http://schemas.microsoft.com/office/drawing/2010/main" xmlns="" w="9525">
+                <a14:hiddenLine xmlns="" xmlns:a14="http://schemas.microsoft.com/office/drawing/2010/main" w="9525">
                   <a:solidFill>
                     <a:srgbClr val="000000"/>
                   </a:solidFill>
@@ -862,7 +867,7 @@
             </a:ln>
             <a:extLst>
               <a:ext uri="{91240B29-F687-4f45-9708-019B960494DF}">
-                <a14:hiddenLine xmlns:a14="http://schemas.microsoft.com/office/drawing/2010/main" xmlns="" w="9525">
+                <a14:hiddenLine xmlns="" xmlns:a14="http://schemas.microsoft.com/office/drawing/2010/main" w="9525">
                   <a:solidFill>
                     <a:srgbClr val="000000"/>
                   </a:solidFill>
@@ -952,7 +957,7 @@
             </a:ln>
             <a:extLst>
               <a:ext uri="{91240B29-F687-4f45-9708-019B960494DF}">
-                <a14:hiddenLine xmlns:a14="http://schemas.microsoft.com/office/drawing/2010/main" xmlns="" w="9525">
+                <a14:hiddenLine xmlns="" xmlns:a14="http://schemas.microsoft.com/office/drawing/2010/main" w="9525">
                   <a:solidFill>
                     <a:srgbClr val="000000"/>
                   </a:solidFill>
@@ -1042,7 +1047,7 @@
             </a:ln>
             <a:extLst>
               <a:ext uri="{91240B29-F687-4f45-9708-019B960494DF}">
-                <a14:hiddenLine xmlns:a14="http://schemas.microsoft.com/office/drawing/2010/main" xmlns="" w="9525">
+                <a14:hiddenLine xmlns="" xmlns:a14="http://schemas.microsoft.com/office/drawing/2010/main" w="9525">
                   <a:solidFill>
                     <a:srgbClr val="000000"/>
                   </a:solidFill>
@@ -1104,7 +1109,7 @@
             </a:ln>
             <a:extLst>
               <a:ext uri="{91240B29-F687-4f45-9708-019B960494DF}">
-                <a14:hiddenLine xmlns:a14="http://schemas.microsoft.com/office/drawing/2010/main" xmlns="" w="9525">
+                <a14:hiddenLine xmlns="" xmlns:a14="http://schemas.microsoft.com/office/drawing/2010/main" w="9525">
                   <a:solidFill>
                     <a:srgbClr val="000000"/>
                   </a:solidFill>
@@ -1214,7 +1219,7 @@
             </a:ln>
             <a:extLst>
               <a:ext uri="{91240B29-F687-4f45-9708-019B960494DF}">
-                <a14:hiddenLine xmlns:a14="http://schemas.microsoft.com/office/drawing/2010/main" xmlns="" w="9525">
+                <a14:hiddenLine xmlns="" xmlns:a14="http://schemas.microsoft.com/office/drawing/2010/main" w="9525">
                   <a:solidFill>
                     <a:srgbClr val="000000"/>
                   </a:solidFill>
@@ -1276,7 +1281,7 @@
             </a:ln>
             <a:extLst>
               <a:ext uri="{91240B29-F687-4f45-9708-019B960494DF}">
-                <a14:hiddenLine xmlns:a14="http://schemas.microsoft.com/office/drawing/2010/main" xmlns="" w="9525">
+                <a14:hiddenLine xmlns="" xmlns:a14="http://schemas.microsoft.com/office/drawing/2010/main" w="9525">
                   <a:solidFill>
                     <a:srgbClr val="000000"/>
                   </a:solidFill>
@@ -1366,7 +1371,7 @@
             </a:ln>
             <a:extLst>
               <a:ext uri="{91240B29-F687-4f45-9708-019B960494DF}">
-                <a14:hiddenLine xmlns:a14="http://schemas.microsoft.com/office/drawing/2010/main" xmlns="" w="9525">
+                <a14:hiddenLine xmlns="" xmlns:a14="http://schemas.microsoft.com/office/drawing/2010/main" w="9525">
                   <a:solidFill>
                     <a:srgbClr val="000000"/>
                   </a:solidFill>
@@ -1456,7 +1461,7 @@
             </a:ln>
             <a:extLst>
               <a:ext uri="{91240B29-F687-4f45-9708-019B960494DF}">
-                <a14:hiddenLine xmlns:a14="http://schemas.microsoft.com/office/drawing/2010/main" xmlns="" w="9525">
+                <a14:hiddenLine xmlns="" xmlns:a14="http://schemas.microsoft.com/office/drawing/2010/main" w="9525">
                   <a:solidFill>
                     <a:srgbClr val="000000"/>
                   </a:solidFill>
@@ -1518,7 +1523,7 @@
             </a:ln>
             <a:extLst>
               <a:ext uri="{91240B29-F687-4f45-9708-019B960494DF}">
-                <a14:hiddenLine xmlns:a14="http://schemas.microsoft.com/office/drawing/2010/main" xmlns="" w="9525">
+                <a14:hiddenLine xmlns="" xmlns:a14="http://schemas.microsoft.com/office/drawing/2010/main" w="9525">
                   <a:solidFill>
                     <a:srgbClr val="000000"/>
                   </a:solidFill>
@@ -1608,7 +1613,7 @@
             </a:ln>
             <a:extLst>
               <a:ext uri="{91240B29-F687-4f45-9708-019B960494DF}">
-                <a14:hiddenLine xmlns:a14="http://schemas.microsoft.com/office/drawing/2010/main" xmlns="" w="9525">
+                <a14:hiddenLine xmlns="" xmlns:a14="http://schemas.microsoft.com/office/drawing/2010/main" w="9525">
                   <a:solidFill>
                     <a:srgbClr val="000000"/>
                   </a:solidFill>
@@ -1698,7 +1703,7 @@
             </a:ln>
             <a:extLst>
               <a:ext uri="{91240B29-F687-4f45-9708-019B960494DF}">
-                <a14:hiddenLine xmlns:a14="http://schemas.microsoft.com/office/drawing/2010/main" xmlns="" w="9525">
+                <a14:hiddenLine xmlns="" xmlns:a14="http://schemas.microsoft.com/office/drawing/2010/main" w="9525">
                   <a:solidFill>
                     <a:srgbClr val="000000"/>
                   </a:solidFill>
@@ -1754,7 +1759,7 @@
             </a:ln>
             <a:extLst>
               <a:ext uri="{91240B29-F687-4f45-9708-019B960494DF}">
-                <a14:hiddenLine xmlns:a14="http://schemas.microsoft.com/office/drawing/2010/main" xmlns="" w="9525">
+                <a14:hiddenLine xmlns="" xmlns:a14="http://schemas.microsoft.com/office/drawing/2010/main" w="9525">
                   <a:solidFill>
                     <a:srgbClr val="000000"/>
                   </a:solidFill>
@@ -1844,7 +1849,7 @@
             </a:ln>
             <a:extLst>
               <a:ext uri="{91240B29-F687-4f45-9708-019B960494DF}">
-                <a14:hiddenLine xmlns:a14="http://schemas.microsoft.com/office/drawing/2010/main" xmlns="" w="9525">
+                <a14:hiddenLine xmlns="" xmlns:a14="http://schemas.microsoft.com/office/drawing/2010/main" w="9525">
                   <a:solidFill>
                     <a:srgbClr val="000000"/>
                   </a:solidFill>
@@ -1900,7 +1905,7 @@
             </a:ln>
             <a:extLst>
               <a:ext uri="{91240B29-F687-4f45-9708-019B960494DF}">
-                <a14:hiddenLine xmlns:a14="http://schemas.microsoft.com/office/drawing/2010/main" xmlns="" w="9525">
+                <a14:hiddenLine xmlns="" xmlns:a14="http://schemas.microsoft.com/office/drawing/2010/main" w="9525">
                   <a:solidFill>
                     <a:srgbClr val="000000"/>
                   </a:solidFill>
@@ -1990,7 +1995,7 @@
             </a:ln>
             <a:extLst>
               <a:ext uri="{91240B29-F687-4f45-9708-019B960494DF}">
-                <a14:hiddenLine xmlns:a14="http://schemas.microsoft.com/office/drawing/2010/main" xmlns="" w="9525">
+                <a14:hiddenLine xmlns="" xmlns:a14="http://schemas.microsoft.com/office/drawing/2010/main" w="9525">
                   <a:solidFill>
                     <a:srgbClr val="000000"/>
                   </a:solidFill>
@@ -2058,7 +2063,7 @@
             </a:ln>
             <a:extLst>
               <a:ext uri="{91240B29-F687-4f45-9708-019B960494DF}">
-                <a14:hiddenLine xmlns:a14="http://schemas.microsoft.com/office/drawing/2010/main" xmlns="" w="9525">
+                <a14:hiddenLine xmlns="" xmlns:a14="http://schemas.microsoft.com/office/drawing/2010/main" w="9525">
                   <a:solidFill>
                     <a:srgbClr val="000000"/>
                   </a:solidFill>
@@ -2148,7 +2153,7 @@
             </a:ln>
             <a:extLst>
               <a:ext uri="{91240B29-F687-4f45-9708-019B960494DF}">
-                <a14:hiddenLine xmlns:a14="http://schemas.microsoft.com/office/drawing/2010/main" xmlns="" w="9525">
+                <a14:hiddenLine xmlns="" xmlns:a14="http://schemas.microsoft.com/office/drawing/2010/main" w="9525">
                   <a:solidFill>
                     <a:srgbClr val="000000"/>
                   </a:solidFill>
@@ -2216,7 +2221,7 @@
             </a:ln>
             <a:extLst>
               <a:ext uri="{91240B29-F687-4f45-9708-019B960494DF}">
-                <a14:hiddenLine xmlns:a14="http://schemas.microsoft.com/office/drawing/2010/main" xmlns="" w="9525">
+                <a14:hiddenLine xmlns="" xmlns:a14="http://schemas.microsoft.com/office/drawing/2010/main" w="9525">
                   <a:solidFill>
                     <a:srgbClr val="000000"/>
                   </a:solidFill>
@@ -2306,7 +2311,7 @@
             </a:ln>
             <a:extLst>
               <a:ext uri="{91240B29-F687-4f45-9708-019B960494DF}">
-                <a14:hiddenLine xmlns:a14="http://schemas.microsoft.com/office/drawing/2010/main" xmlns="" w="9525">
+                <a14:hiddenLine xmlns="" xmlns:a14="http://schemas.microsoft.com/office/drawing/2010/main" w="9525">
                   <a:solidFill>
                     <a:srgbClr val="000000"/>
                   </a:solidFill>
@@ -2340,7 +2345,7 @@
             </a:ln>
             <a:extLst>
               <a:ext uri="{91240B29-F687-4f45-9708-019B960494DF}">
-                <a14:hiddenLine xmlns:a14="http://schemas.microsoft.com/office/drawing/2010/main" xmlns="" w="9525">
+                <a14:hiddenLine xmlns="" xmlns:a14="http://schemas.microsoft.com/office/drawing/2010/main" w="9525">
                   <a:solidFill>
                     <a:srgbClr val="000000"/>
                   </a:solidFill>
@@ -2430,7 +2435,7 @@
             </a:ln>
             <a:extLst>
               <a:ext uri="{91240B29-F687-4f45-9708-019B960494DF}">
-                <a14:hiddenLine xmlns:a14="http://schemas.microsoft.com/office/drawing/2010/main" xmlns="" w="9525">
+                <a14:hiddenLine xmlns="" xmlns:a14="http://schemas.microsoft.com/office/drawing/2010/main" w="9525">
                   <a:solidFill>
                     <a:srgbClr val="000000"/>
                   </a:solidFill>
@@ -2492,7 +2497,7 @@
             </a:ln>
             <a:extLst>
               <a:ext uri="{91240B29-F687-4f45-9708-019B960494DF}">
-                <a14:hiddenLine xmlns:a14="http://schemas.microsoft.com/office/drawing/2010/main" xmlns="" w="9525">
+                <a14:hiddenLine xmlns="" xmlns:a14="http://schemas.microsoft.com/office/drawing/2010/main" w="9525">
                   <a:solidFill>
                     <a:srgbClr val="000000"/>
                   </a:solidFill>
@@ -2554,7 +2559,7 @@
             </a:ln>
             <a:extLst>
               <a:ext uri="{91240B29-F687-4f45-9708-019B960494DF}">
-                <a14:hiddenLine xmlns:a14="http://schemas.microsoft.com/office/drawing/2010/main" xmlns="" w="9525">
+                <a14:hiddenLine xmlns="" xmlns:a14="http://schemas.microsoft.com/office/drawing/2010/main" w="9525">
                   <a:solidFill>
                     <a:srgbClr val="000000"/>
                   </a:solidFill>
@@ -2644,7 +2649,7 @@
             </a:ln>
             <a:extLst>
               <a:ext uri="{91240B29-F687-4f45-9708-019B960494DF}">
-                <a14:hiddenLine xmlns:a14="http://schemas.microsoft.com/office/drawing/2010/main" xmlns="" w="9525">
+                <a14:hiddenLine xmlns="" xmlns:a14="http://schemas.microsoft.com/office/drawing/2010/main" w="9525">
                   <a:solidFill>
                     <a:srgbClr val="000000"/>
                   </a:solidFill>
@@ -2712,7 +2717,7 @@
             </a:ln>
             <a:extLst>
               <a:ext uri="{91240B29-F687-4f45-9708-019B960494DF}">
-                <a14:hiddenLine xmlns:a14="http://schemas.microsoft.com/office/drawing/2010/main" xmlns="" w="9525">
+                <a14:hiddenLine xmlns="" xmlns:a14="http://schemas.microsoft.com/office/drawing/2010/main" w="9525">
                   <a:solidFill>
                     <a:srgbClr val="000000"/>
                   </a:solidFill>
@@ -2774,7 +2779,7 @@
             </a:ln>
             <a:extLst>
               <a:ext uri="{91240B29-F687-4f45-9708-019B960494DF}">
-                <a14:hiddenLine xmlns:a14="http://schemas.microsoft.com/office/drawing/2010/main" xmlns="" w="9525">
+                <a14:hiddenLine xmlns="" xmlns:a14="http://schemas.microsoft.com/office/drawing/2010/main" w="9525">
                   <a:solidFill>
                     <a:srgbClr val="000000"/>
                   </a:solidFill>
@@ -2864,7 +2869,7 @@
             </a:ln>
             <a:extLst>
               <a:ext uri="{91240B29-F687-4f45-9708-019B960494DF}">
-                <a14:hiddenLine xmlns:a14="http://schemas.microsoft.com/office/drawing/2010/main" xmlns="" w="9525">
+                <a14:hiddenLine xmlns="" xmlns:a14="http://schemas.microsoft.com/office/drawing/2010/main" w="9525">
                   <a:solidFill>
                     <a:srgbClr val="000000"/>
                   </a:solidFill>
@@ -2926,7 +2931,7 @@
             </a:ln>
             <a:extLst>
               <a:ext uri="{91240B29-F687-4f45-9708-019B960494DF}">
-                <a14:hiddenLine xmlns:a14="http://schemas.microsoft.com/office/drawing/2010/main" xmlns="" w="9525">
+                <a14:hiddenLine xmlns="" xmlns:a14="http://schemas.microsoft.com/office/drawing/2010/main" w="9525">
                   <a:solidFill>
                     <a:srgbClr val="000000"/>
                   </a:solidFill>
@@ -3016,7 +3021,7 @@
             </a:ln>
             <a:extLst>
               <a:ext uri="{91240B29-F687-4f45-9708-019B960494DF}">
-                <a14:hiddenLine xmlns:a14="http://schemas.microsoft.com/office/drawing/2010/main" xmlns="" w="9525">
+                <a14:hiddenLine xmlns="" xmlns:a14="http://schemas.microsoft.com/office/drawing/2010/main" w="9525">
                   <a:solidFill>
                     <a:srgbClr val="000000"/>
                   </a:solidFill>
@@ -3078,7 +3083,7 @@
             </a:ln>
             <a:extLst>
               <a:ext uri="{91240B29-F687-4f45-9708-019B960494DF}">
-                <a14:hiddenLine xmlns:a14="http://schemas.microsoft.com/office/drawing/2010/main" xmlns="" w="9525">
+                <a14:hiddenLine xmlns="" xmlns:a14="http://schemas.microsoft.com/office/drawing/2010/main" w="9525">
                   <a:solidFill>
                     <a:srgbClr val="000000"/>
                   </a:solidFill>
@@ -3168,7 +3173,7 @@
             </a:ln>
             <a:extLst>
               <a:ext uri="{91240B29-F687-4f45-9708-019B960494DF}">
-                <a14:hiddenLine xmlns:a14="http://schemas.microsoft.com/office/drawing/2010/main" xmlns="" w="9525">
+                <a14:hiddenLine xmlns="" xmlns:a14="http://schemas.microsoft.com/office/drawing/2010/main" w="9525">
                   <a:solidFill>
                     <a:srgbClr val="000000"/>
                   </a:solidFill>
@@ -3202,7 +3207,7 @@
             </a:ln>
             <a:extLst>
               <a:ext uri="{91240B29-F687-4f45-9708-019B960494DF}">
-                <a14:hiddenLine xmlns:a14="http://schemas.microsoft.com/office/drawing/2010/main" xmlns="" w="9525">
+                <a14:hiddenLine xmlns="" xmlns:a14="http://schemas.microsoft.com/office/drawing/2010/main" w="9525">
                   <a:solidFill>
                     <a:srgbClr val="000000"/>
                   </a:solidFill>
@@ -3267,7 +3272,7 @@
             </a:ln>
             <a:extLst>
               <a:ext uri="{91240B29-F687-4f45-9708-019B960494DF}">
-                <a14:hiddenLine xmlns:a14="http://schemas.microsoft.com/office/drawing/2010/main" xmlns="" w="9525">
+                <a14:hiddenLine xmlns="" xmlns:a14="http://schemas.microsoft.com/office/drawing/2010/main" w="9525">
                   <a:solidFill>
                     <a:srgbClr val="000000"/>
                   </a:solidFill>
@@ -3357,7 +3362,7 @@
             </a:ln>
             <a:extLst>
               <a:ext uri="{91240B29-F687-4f45-9708-019B960494DF}">
-                <a14:hiddenLine xmlns:a14="http://schemas.microsoft.com/office/drawing/2010/main" xmlns="" w="9525">
+                <a14:hiddenLine xmlns="" xmlns:a14="http://schemas.microsoft.com/office/drawing/2010/main" w="9525">
                   <a:solidFill>
                     <a:srgbClr val="000000"/>
                   </a:solidFill>
@@ -3419,7 +3424,7 @@
             </a:ln>
             <a:extLst>
               <a:ext uri="{91240B29-F687-4f45-9708-019B960494DF}">
-                <a14:hiddenLine xmlns:a14="http://schemas.microsoft.com/office/drawing/2010/main" xmlns="" w="9525">
+                <a14:hiddenLine xmlns="" xmlns:a14="http://schemas.microsoft.com/office/drawing/2010/main" w="9525">
                   <a:solidFill>
                     <a:srgbClr val="000000"/>
                   </a:solidFill>
@@ -3509,7 +3514,7 @@
             </a:ln>
             <a:extLst>
               <a:ext uri="{91240B29-F687-4f45-9708-019B960494DF}">
-                <a14:hiddenLine xmlns:a14="http://schemas.microsoft.com/office/drawing/2010/main" xmlns="" w="9525">
+                <a14:hiddenLine xmlns="" xmlns:a14="http://schemas.microsoft.com/office/drawing/2010/main" w="9525">
                   <a:solidFill>
                     <a:srgbClr val="000000"/>
                   </a:solidFill>
@@ -3599,7 +3604,7 @@
             </a:ln>
             <a:extLst>
               <a:ext uri="{91240B29-F687-4f45-9708-019B960494DF}">
-                <a14:hiddenLine xmlns:a14="http://schemas.microsoft.com/office/drawing/2010/main" xmlns="" w="9525">
+                <a14:hiddenLine xmlns="" xmlns:a14="http://schemas.microsoft.com/office/drawing/2010/main" w="9525">
                   <a:solidFill>
                     <a:srgbClr val="000000"/>
                   </a:solidFill>
@@ -3664,7 +3669,7 @@
             </a:ln>
             <a:extLst>
               <a:ext uri="{91240B29-F687-4f45-9708-019B960494DF}">
-                <a14:hiddenLine xmlns:a14="http://schemas.microsoft.com/office/drawing/2010/main" xmlns="" w="9525">
+                <a14:hiddenLine xmlns="" xmlns:a14="http://schemas.microsoft.com/office/drawing/2010/main" w="9525">
                   <a:solidFill>
                     <a:srgbClr val="000000"/>
                   </a:solidFill>
@@ -3726,7 +3731,7 @@
             </a:ln>
             <a:extLst>
               <a:ext uri="{91240B29-F687-4f45-9708-019B960494DF}">
-                <a14:hiddenLine xmlns:a14="http://schemas.microsoft.com/office/drawing/2010/main" xmlns="" w="9525">
+                <a14:hiddenLine xmlns="" xmlns:a14="http://schemas.microsoft.com/office/drawing/2010/main" w="9525">
                   <a:solidFill>
                     <a:srgbClr val="000000"/>
                   </a:solidFill>
@@ -3816,7 +3821,7 @@
             </a:ln>
             <a:extLst>
               <a:ext uri="{91240B29-F687-4f45-9708-019B960494DF}">
-                <a14:hiddenLine xmlns:a14="http://schemas.microsoft.com/office/drawing/2010/main" xmlns="" w="9525">
+                <a14:hiddenLine xmlns="" xmlns:a14="http://schemas.microsoft.com/office/drawing/2010/main" w="9525">
                   <a:solidFill>
                     <a:srgbClr val="000000"/>
                   </a:solidFill>
@@ -3906,7 +3911,7 @@
             </a:ln>
             <a:extLst>
               <a:ext uri="{91240B29-F687-4f45-9708-019B960494DF}">
-                <a14:hiddenLine xmlns:a14="http://schemas.microsoft.com/office/drawing/2010/main" xmlns="" w="9525">
+                <a14:hiddenLine xmlns="" xmlns:a14="http://schemas.microsoft.com/office/drawing/2010/main" w="9525">
                   <a:solidFill>
                     <a:srgbClr val="000000"/>
                   </a:solidFill>
@@ -3968,7 +3973,7 @@
             </a:ln>
             <a:extLst>
               <a:ext uri="{91240B29-F687-4f45-9708-019B960494DF}">
-                <a14:hiddenLine xmlns:a14="http://schemas.microsoft.com/office/drawing/2010/main" xmlns="" w="9525">
+                <a14:hiddenLine xmlns="" xmlns:a14="http://schemas.microsoft.com/office/drawing/2010/main" w="9525">
                   <a:solidFill>
                     <a:srgbClr val="000000"/>
                   </a:solidFill>
@@ -4088,7 +4093,7 @@
             </a:ln>
             <a:extLst>
               <a:ext uri="{91240B29-F687-4f45-9708-019B960494DF}">
-                <a14:hiddenLine xmlns:a14="http://schemas.microsoft.com/office/drawing/2010/main" xmlns="" w="9525">
+                <a14:hiddenLine xmlns="" xmlns:a14="http://schemas.microsoft.com/office/drawing/2010/main" w="9525">
                   <a:solidFill>
                     <a:srgbClr val="000000"/>
                   </a:solidFill>
@@ -4156,7 +4161,7 @@
             </a:ln>
             <a:extLst>
               <a:ext uri="{91240B29-F687-4f45-9708-019B960494DF}">
-                <a14:hiddenLine xmlns:a14="http://schemas.microsoft.com/office/drawing/2010/main" xmlns="" w="9525">
+                <a14:hiddenLine xmlns="" xmlns:a14="http://schemas.microsoft.com/office/drawing/2010/main" w="9525">
                   <a:solidFill>
                     <a:srgbClr val="000000"/>
                   </a:solidFill>
@@ -4246,7 +4251,7 @@
             </a:ln>
             <a:extLst>
               <a:ext uri="{91240B29-F687-4f45-9708-019B960494DF}">
-                <a14:hiddenLine xmlns:a14="http://schemas.microsoft.com/office/drawing/2010/main" xmlns="" w="9525">
+                <a14:hiddenLine xmlns="" xmlns:a14="http://schemas.microsoft.com/office/drawing/2010/main" w="9525">
                   <a:solidFill>
                     <a:srgbClr val="000000"/>
                   </a:solidFill>
@@ -4386,7 +4391,7 @@
           <a:p>
             <a:fld id="{48A87A34-81AB-432B-8DAE-1953F412C126}" type="datetimeFigureOut">
               <a:rPr lang="en-US" dirty="0"/>
-              <a:t>5/18/2020</a:t>
+              <a:t>7/29/2020</a:t>
             </a:fld>
             <a:endParaRPr lang="en-US" dirty="0"/>
           </a:p>
@@ -4648,7 +4653,7 @@
           <a:p>
             <a:fld id="{48A87A34-81AB-432B-8DAE-1953F412C126}" type="datetimeFigureOut">
               <a:rPr lang="en-US" dirty="0"/>
-              <a:t>5/18/2020</a:t>
+              <a:t>7/29/2020</a:t>
             </a:fld>
             <a:endParaRPr lang="en-US" dirty="0"/>
           </a:p>
@@ -4839,7 +4844,7 @@
           <a:p>
             <a:fld id="{48A87A34-81AB-432B-8DAE-1953F412C126}" type="datetimeFigureOut">
               <a:rPr lang="en-US" dirty="0"/>
-              <a:t>5/18/2020</a:t>
+              <a:t>7/29/2020</a:t>
             </a:fld>
             <a:endParaRPr lang="en-US" dirty="0"/>
           </a:p>
@@ -5097,7 +5102,7 @@
           <a:p>
             <a:fld id="{48A87A34-81AB-432B-8DAE-1953F412C126}" type="datetimeFigureOut">
               <a:rPr lang="en-US" dirty="0"/>
-              <a:t>5/18/2020</a:t>
+              <a:t>7/29/2020</a:t>
             </a:fld>
             <a:endParaRPr lang="en-US" dirty="0"/>
           </a:p>
@@ -5526,7 +5531,7 @@
           <a:p>
             <a:fld id="{48A87A34-81AB-432B-8DAE-1953F412C126}" type="datetimeFigureOut">
               <a:rPr lang="en-US" dirty="0"/>
-              <a:t>5/18/2020</a:t>
+              <a:t>7/29/2020</a:t>
             </a:fld>
             <a:endParaRPr lang="en-US" dirty="0"/>
           </a:p>
@@ -6067,7 +6072,7 @@
           <a:p>
             <a:fld id="{48A87A34-81AB-432B-8DAE-1953F412C126}" type="datetimeFigureOut">
               <a:rPr lang="en-US" dirty="0"/>
-              <a:t>5/18/2020</a:t>
+              <a:t>7/29/2020</a:t>
             </a:fld>
             <a:endParaRPr lang="en-US" dirty="0"/>
           </a:p>
@@ -6782,7 +6787,7 @@
           <a:p>
             <a:fld id="{48A87A34-81AB-432B-8DAE-1953F412C126}" type="datetimeFigureOut">
               <a:rPr lang="en-US" dirty="0"/>
-              <a:t>5/18/2020</a:t>
+              <a:t>7/29/2020</a:t>
             </a:fld>
             <a:endParaRPr lang="en-US" dirty="0"/>
           </a:p>
@@ -6947,7 +6952,7 @@
           <a:p>
             <a:fld id="{48A87A34-81AB-432B-8DAE-1953F412C126}" type="datetimeFigureOut">
               <a:rPr lang="en-US" dirty="0"/>
-              <a:t>5/18/2020</a:t>
+              <a:t>7/29/2020</a:t>
             </a:fld>
             <a:endParaRPr lang="en-US" dirty="0"/>
           </a:p>
@@ -7122,7 +7127,7 @@
           <a:p>
             <a:fld id="{48A87A34-81AB-432B-8DAE-1953F412C126}" type="datetimeFigureOut">
               <a:rPr lang="en-US" dirty="0"/>
-              <a:t>5/18/2020</a:t>
+              <a:t>7/29/2020</a:t>
             </a:fld>
             <a:endParaRPr lang="en-US" dirty="0"/>
           </a:p>
@@ -7287,7 +7292,7 @@
           <a:p>
             <a:fld id="{48A87A34-81AB-432B-8DAE-1953F412C126}" type="datetimeFigureOut">
               <a:rPr lang="en-US" dirty="0"/>
-              <a:t>5/18/2020</a:t>
+              <a:t>7/29/2020</a:t>
             </a:fld>
             <a:endParaRPr lang="en-US" dirty="0"/>
           </a:p>
@@ -7532,7 +7537,7 @@
           <a:p>
             <a:fld id="{48A87A34-81AB-432B-8DAE-1953F412C126}" type="datetimeFigureOut">
               <a:rPr lang="en-US" dirty="0"/>
-              <a:t>5/18/2020</a:t>
+              <a:t>7/29/2020</a:t>
             </a:fld>
             <a:endParaRPr lang="en-US" dirty="0"/>
           </a:p>
@@ -7759,7 +7764,7 @@
           <a:p>
             <a:fld id="{48A87A34-81AB-432B-8DAE-1953F412C126}" type="datetimeFigureOut">
               <a:rPr lang="en-US" dirty="0"/>
-              <a:t>5/18/2020</a:t>
+              <a:t>7/29/2020</a:t>
             </a:fld>
             <a:endParaRPr lang="en-US" dirty="0"/>
           </a:p>
@@ -8135,7 +8140,7 @@
           <a:p>
             <a:fld id="{48A87A34-81AB-432B-8DAE-1953F412C126}" type="datetimeFigureOut">
               <a:rPr lang="en-US" dirty="0"/>
-              <a:t>5/18/2020</a:t>
+              <a:t>7/29/2020</a:t>
             </a:fld>
             <a:endParaRPr lang="en-US" dirty="0"/>
           </a:p>
@@ -8248,7 +8253,7 @@
           <a:p>
             <a:fld id="{48A87A34-81AB-432B-8DAE-1953F412C126}" type="datetimeFigureOut">
               <a:rPr lang="en-US" dirty="0"/>
-              <a:t>5/18/2020</a:t>
+              <a:t>7/29/2020</a:t>
             </a:fld>
             <a:endParaRPr lang="en-US" dirty="0"/>
           </a:p>
@@ -8338,7 +8343,7 @@
           <a:p>
             <a:fld id="{48A87A34-81AB-432B-8DAE-1953F412C126}" type="datetimeFigureOut">
               <a:rPr lang="en-US" dirty="0"/>
-              <a:t>5/18/2020</a:t>
+              <a:t>7/29/2020</a:t>
             </a:fld>
             <a:endParaRPr lang="en-US" dirty="0"/>
           </a:p>
@@ -8582,7 +8587,7 @@
           <a:p>
             <a:fld id="{48A87A34-81AB-432B-8DAE-1953F412C126}" type="datetimeFigureOut">
               <a:rPr lang="en-US" dirty="0"/>
-              <a:t>5/18/2020</a:t>
+              <a:t>7/29/2020</a:t>
             </a:fld>
             <a:endParaRPr lang="en-US" dirty="0"/>
           </a:p>
@@ -8857,7 +8862,7 @@
           <a:p>
             <a:fld id="{48A87A34-81AB-432B-8DAE-1953F412C126}" type="datetimeFigureOut">
               <a:rPr lang="en-US" dirty="0"/>
-              <a:t>5/18/2020</a:t>
+              <a:t>7/29/2020</a:t>
             </a:fld>
             <a:endParaRPr lang="en-US" dirty="0"/>
           </a:p>
@@ -8968,7 +8973,7 @@
           <a:noFill/>
           <a:extLst>
             <a:ext uri="{909E8E84-426E-40dd-AFC4-6F175D3DCCD1}">
-              <a14:hiddenFill xmlns:a14="http://schemas.microsoft.com/office/drawing/2010/main" xmlns="">
+              <a14:hiddenFill xmlns="" xmlns:a14="http://schemas.microsoft.com/office/drawing/2010/main">
                 <a:solidFill>
                   <a:srgbClr val="FFFFFF"/>
                 </a:solidFill>
@@ -9042,7 +9047,7 @@
               </a:ln>
               <a:extLst>
                 <a:ext uri="{91240B29-F687-4f45-9708-019B960494DF}">
-                  <a14:hiddenLine xmlns:a14="http://schemas.microsoft.com/office/drawing/2010/main" xmlns="" w="9525">
+                  <a14:hiddenLine xmlns="" xmlns:a14="http://schemas.microsoft.com/office/drawing/2010/main" w="9525">
                     <a:solidFill>
                       <a:srgbClr val="000000"/>
                     </a:solidFill>
@@ -9132,7 +9137,7 @@
               </a:ln>
               <a:extLst>
                 <a:ext uri="{91240B29-F687-4f45-9708-019B960494DF}">
-                  <a14:hiddenLine xmlns:a14="http://schemas.microsoft.com/office/drawing/2010/main" xmlns="" w="9525">
+                  <a14:hiddenLine xmlns="" xmlns:a14="http://schemas.microsoft.com/office/drawing/2010/main" w="9525">
                     <a:solidFill>
                       <a:srgbClr val="000000"/>
                     </a:solidFill>
@@ -9222,7 +9227,7 @@
               </a:ln>
               <a:extLst>
                 <a:ext uri="{91240B29-F687-4f45-9708-019B960494DF}">
-                  <a14:hiddenLine xmlns:a14="http://schemas.microsoft.com/office/drawing/2010/main" xmlns="" w="9525">
+                  <a14:hiddenLine xmlns="" xmlns:a14="http://schemas.microsoft.com/office/drawing/2010/main" w="9525">
                     <a:solidFill>
                       <a:srgbClr val="000000"/>
                     </a:solidFill>
@@ -9284,7 +9289,7 @@
               </a:ln>
               <a:extLst>
                 <a:ext uri="{91240B29-F687-4f45-9708-019B960494DF}">
-                  <a14:hiddenLine xmlns:a14="http://schemas.microsoft.com/office/drawing/2010/main" xmlns="" w="9525">
+                  <a14:hiddenLine xmlns="" xmlns:a14="http://schemas.microsoft.com/office/drawing/2010/main" w="9525">
                     <a:solidFill>
                       <a:srgbClr val="000000"/>
                     </a:solidFill>
@@ -9374,7 +9379,7 @@
               </a:ln>
               <a:extLst>
                 <a:ext uri="{91240B29-F687-4f45-9708-019B960494DF}">
-                  <a14:hiddenLine xmlns:a14="http://schemas.microsoft.com/office/drawing/2010/main" xmlns="" w="9525">
+                  <a14:hiddenLine xmlns="" xmlns:a14="http://schemas.microsoft.com/office/drawing/2010/main" w="9525">
                     <a:solidFill>
                       <a:srgbClr val="000000"/>
                     </a:solidFill>
@@ -9436,7 +9441,7 @@
               </a:ln>
               <a:extLst>
                 <a:ext uri="{91240B29-F687-4f45-9708-019B960494DF}">
-                  <a14:hiddenLine xmlns:a14="http://schemas.microsoft.com/office/drawing/2010/main" xmlns="" w="9525">
+                  <a14:hiddenLine xmlns="" xmlns:a14="http://schemas.microsoft.com/office/drawing/2010/main" w="9525">
                     <a:solidFill>
                       <a:srgbClr val="000000"/>
                     </a:solidFill>
@@ -9498,7 +9503,7 @@
               </a:ln>
               <a:extLst>
                 <a:ext uri="{91240B29-F687-4f45-9708-019B960494DF}">
-                  <a14:hiddenLine xmlns:a14="http://schemas.microsoft.com/office/drawing/2010/main" xmlns="" w="9525">
+                  <a14:hiddenLine xmlns="" xmlns:a14="http://schemas.microsoft.com/office/drawing/2010/main" w="9525">
                     <a:solidFill>
                       <a:srgbClr val="000000"/>
                     </a:solidFill>
@@ -9588,7 +9593,7 @@
               </a:ln>
               <a:extLst>
                 <a:ext uri="{91240B29-F687-4f45-9708-019B960494DF}">
-                  <a14:hiddenLine xmlns:a14="http://schemas.microsoft.com/office/drawing/2010/main" xmlns="" w="9525">
+                  <a14:hiddenLine xmlns="" xmlns:a14="http://schemas.microsoft.com/office/drawing/2010/main" w="9525">
                     <a:solidFill>
                       <a:srgbClr val="000000"/>
                     </a:solidFill>
@@ -9678,7 +9683,7 @@
               </a:ln>
               <a:extLst>
                 <a:ext uri="{91240B29-F687-4f45-9708-019B960494DF}">
-                  <a14:hiddenLine xmlns:a14="http://schemas.microsoft.com/office/drawing/2010/main" xmlns="" w="9525">
+                  <a14:hiddenLine xmlns="" xmlns:a14="http://schemas.microsoft.com/office/drawing/2010/main" w="9525">
                     <a:solidFill>
                       <a:srgbClr val="000000"/>
                     </a:solidFill>
@@ -9740,7 +9745,7 @@
               </a:ln>
               <a:extLst>
                 <a:ext uri="{91240B29-F687-4f45-9708-019B960494DF}">
-                  <a14:hiddenLine xmlns:a14="http://schemas.microsoft.com/office/drawing/2010/main" xmlns="" w="9525">
+                  <a14:hiddenLine xmlns="" xmlns:a14="http://schemas.microsoft.com/office/drawing/2010/main" w="9525">
                     <a:solidFill>
                       <a:srgbClr val="000000"/>
                     </a:solidFill>
@@ -9850,7 +9855,7 @@
               </a:ln>
               <a:extLst>
                 <a:ext uri="{91240B29-F687-4f45-9708-019B960494DF}">
-                  <a14:hiddenLine xmlns:a14="http://schemas.microsoft.com/office/drawing/2010/main" xmlns="" w="9525">
+                  <a14:hiddenLine xmlns="" xmlns:a14="http://schemas.microsoft.com/office/drawing/2010/main" w="9525">
                     <a:solidFill>
                       <a:srgbClr val="000000"/>
                     </a:solidFill>
@@ -9934,7 +9939,7 @@
               </a:ln>
               <a:extLst>
                 <a:ext uri="{91240B29-F687-4f45-9708-019B960494DF}">
-                  <a14:hiddenLine xmlns:a14="http://schemas.microsoft.com/office/drawing/2010/main" xmlns="" w="9525">
+                  <a14:hiddenLine xmlns="" xmlns:a14="http://schemas.microsoft.com/office/drawing/2010/main" w="9525">
                     <a:solidFill>
                       <a:srgbClr val="000000"/>
                     </a:solidFill>
@@ -9996,7 +10001,7 @@
               </a:ln>
               <a:extLst>
                 <a:ext uri="{91240B29-F687-4f45-9708-019B960494DF}">
-                  <a14:hiddenLine xmlns:a14="http://schemas.microsoft.com/office/drawing/2010/main" xmlns="" w="9525">
+                  <a14:hiddenLine xmlns="" xmlns:a14="http://schemas.microsoft.com/office/drawing/2010/main" w="9525">
                     <a:solidFill>
                       <a:srgbClr val="000000"/>
                     </a:solidFill>
@@ -10058,7 +10063,7 @@
               </a:ln>
               <a:extLst>
                 <a:ext uri="{91240B29-F687-4f45-9708-019B960494DF}">
-                  <a14:hiddenLine xmlns:a14="http://schemas.microsoft.com/office/drawing/2010/main" xmlns="" w="9525">
+                  <a14:hiddenLine xmlns="" xmlns:a14="http://schemas.microsoft.com/office/drawing/2010/main" w="9525">
                     <a:solidFill>
                       <a:srgbClr val="000000"/>
                     </a:solidFill>
@@ -10148,7 +10153,7 @@
               </a:ln>
               <a:extLst>
                 <a:ext uri="{91240B29-F687-4f45-9708-019B960494DF}">
-                  <a14:hiddenLine xmlns:a14="http://schemas.microsoft.com/office/drawing/2010/main" xmlns="" w="9525">
+                  <a14:hiddenLine xmlns="" xmlns:a14="http://schemas.microsoft.com/office/drawing/2010/main" w="9525">
                     <a:solidFill>
                       <a:srgbClr val="000000"/>
                     </a:solidFill>
@@ -10182,7 +10187,7 @@
               </a:ln>
               <a:extLst>
                 <a:ext uri="{91240B29-F687-4f45-9708-019B960494DF}">
-                  <a14:hiddenLine xmlns:a14="http://schemas.microsoft.com/office/drawing/2010/main" xmlns="" w="9525">
+                  <a14:hiddenLine xmlns="" xmlns:a14="http://schemas.microsoft.com/office/drawing/2010/main" w="9525">
                     <a:solidFill>
                       <a:srgbClr val="000000"/>
                     </a:solidFill>
@@ -10247,7 +10252,7 @@
               </a:ln>
               <a:extLst>
                 <a:ext uri="{91240B29-F687-4f45-9708-019B960494DF}">
-                  <a14:hiddenLine xmlns:a14="http://schemas.microsoft.com/office/drawing/2010/main" xmlns="" w="9525">
+                  <a14:hiddenLine xmlns="" xmlns:a14="http://schemas.microsoft.com/office/drawing/2010/main" w="9525">
                     <a:solidFill>
                       <a:srgbClr val="000000"/>
                     </a:solidFill>
@@ -10337,7 +10342,7 @@
               </a:ln>
               <a:extLst>
                 <a:ext uri="{91240B29-F687-4f45-9708-019B960494DF}">
-                  <a14:hiddenLine xmlns:a14="http://schemas.microsoft.com/office/drawing/2010/main" xmlns="" w="9525">
+                  <a14:hiddenLine xmlns="" xmlns:a14="http://schemas.microsoft.com/office/drawing/2010/main" w="9525">
                     <a:solidFill>
                       <a:srgbClr val="000000"/>
                     </a:solidFill>
@@ -10399,7 +10404,7 @@
               </a:ln>
               <a:extLst>
                 <a:ext uri="{91240B29-F687-4f45-9708-019B960494DF}">
-                  <a14:hiddenLine xmlns:a14="http://schemas.microsoft.com/office/drawing/2010/main" xmlns="" w="9525">
+                  <a14:hiddenLine xmlns="" xmlns:a14="http://schemas.microsoft.com/office/drawing/2010/main" w="9525">
                     <a:solidFill>
                       <a:srgbClr val="000000"/>
                     </a:solidFill>
@@ -10489,7 +10494,7 @@
               </a:ln>
               <a:extLst>
                 <a:ext uri="{91240B29-F687-4f45-9708-019B960494DF}">
-                  <a14:hiddenLine xmlns:a14="http://schemas.microsoft.com/office/drawing/2010/main" xmlns="" w="9525">
+                  <a14:hiddenLine xmlns="" xmlns:a14="http://schemas.microsoft.com/office/drawing/2010/main" w="9525">
                     <a:solidFill>
                       <a:srgbClr val="000000"/>
                     </a:solidFill>
@@ -10554,7 +10559,7 @@
               </a:ln>
               <a:extLst>
                 <a:ext uri="{91240B29-F687-4f45-9708-019B960494DF}">
-                  <a14:hiddenLine xmlns:a14="http://schemas.microsoft.com/office/drawing/2010/main" xmlns="" w="9525">
+                  <a14:hiddenLine xmlns="" xmlns:a14="http://schemas.microsoft.com/office/drawing/2010/main" w="9525">
                     <a:solidFill>
                       <a:srgbClr val="000000"/>
                     </a:solidFill>
@@ -10616,7 +10621,7 @@
               </a:ln>
               <a:extLst>
                 <a:ext uri="{91240B29-F687-4f45-9708-019B960494DF}">
-                  <a14:hiddenLine xmlns:a14="http://schemas.microsoft.com/office/drawing/2010/main" xmlns="" w="9525">
+                  <a14:hiddenLine xmlns="" xmlns:a14="http://schemas.microsoft.com/office/drawing/2010/main" w="9525">
                     <a:solidFill>
                       <a:srgbClr val="000000"/>
                     </a:solidFill>
@@ -10706,7 +10711,7 @@
               </a:ln>
               <a:extLst>
                 <a:ext uri="{91240B29-F687-4f45-9708-019B960494DF}">
-                  <a14:hiddenLine xmlns:a14="http://schemas.microsoft.com/office/drawing/2010/main" xmlns="" w="9525">
+                  <a14:hiddenLine xmlns="" xmlns:a14="http://schemas.microsoft.com/office/drawing/2010/main" w="9525">
                     <a:solidFill>
                       <a:srgbClr val="000000"/>
                     </a:solidFill>
@@ -10796,7 +10801,7 @@
               </a:ln>
               <a:extLst>
                 <a:ext uri="{91240B29-F687-4f45-9708-019B960494DF}">
-                  <a14:hiddenLine xmlns:a14="http://schemas.microsoft.com/office/drawing/2010/main" xmlns="" w="9525">
+                  <a14:hiddenLine xmlns="" xmlns:a14="http://schemas.microsoft.com/office/drawing/2010/main" w="9525">
                     <a:solidFill>
                       <a:srgbClr val="000000"/>
                     </a:solidFill>
@@ -10861,7 +10866,7 @@
               </a:ln>
               <a:extLst>
                 <a:ext uri="{91240B29-F687-4f45-9708-019B960494DF}">
-                  <a14:hiddenLine xmlns:a14="http://schemas.microsoft.com/office/drawing/2010/main" xmlns="" w="9525">
+                  <a14:hiddenLine xmlns="" xmlns:a14="http://schemas.microsoft.com/office/drawing/2010/main" w="9525">
                     <a:solidFill>
                       <a:srgbClr val="000000"/>
                     </a:solidFill>
@@ -10981,7 +10986,7 @@
               </a:ln>
               <a:extLst>
                 <a:ext uri="{91240B29-F687-4f45-9708-019B960494DF}">
-                  <a14:hiddenLine xmlns:a14="http://schemas.microsoft.com/office/drawing/2010/main" xmlns="" w="9525">
+                  <a14:hiddenLine xmlns="" xmlns:a14="http://schemas.microsoft.com/office/drawing/2010/main" w="9525">
                     <a:solidFill>
                       <a:srgbClr val="000000"/>
                     </a:solidFill>
@@ -11079,7 +11084,7 @@
               </a:ln>
               <a:extLst>
                 <a:ext uri="{91240B29-F687-4f45-9708-019B960494DF}">
-                  <a14:hiddenLine xmlns:a14="http://schemas.microsoft.com/office/drawing/2010/main" xmlns="" w="9525">
+                  <a14:hiddenLine xmlns="" xmlns:a14="http://schemas.microsoft.com/office/drawing/2010/main" w="9525">
                     <a:solidFill>
                       <a:srgbClr val="000000"/>
                     </a:solidFill>
@@ -11194,7 +11199,7 @@
               </a:ln>
               <a:extLst>
                 <a:ext uri="{91240B29-F687-4f45-9708-019B960494DF}">
-                  <a14:hiddenLine xmlns:a14="http://schemas.microsoft.com/office/drawing/2010/main" xmlns="" w="9525">
+                  <a14:hiddenLine xmlns="" xmlns:a14="http://schemas.microsoft.com/office/drawing/2010/main" w="9525">
                     <a:solidFill>
                       <a:srgbClr val="000000"/>
                     </a:solidFill>
@@ -11284,7 +11289,7 @@
               </a:ln>
               <a:extLst>
                 <a:ext uri="{91240B29-F687-4f45-9708-019B960494DF}">
-                  <a14:hiddenLine xmlns:a14="http://schemas.microsoft.com/office/drawing/2010/main" xmlns="" w="9525">
+                  <a14:hiddenLine xmlns="" xmlns:a14="http://schemas.microsoft.com/office/drawing/2010/main" w="9525">
                     <a:solidFill>
                       <a:srgbClr val="000000"/>
                     </a:solidFill>
@@ -11349,7 +11354,7 @@
               </a:ln>
               <a:extLst>
                 <a:ext uri="{91240B29-F687-4f45-9708-019B960494DF}">
-                  <a14:hiddenLine xmlns:a14="http://schemas.microsoft.com/office/drawing/2010/main" xmlns="" w="9525">
+                  <a14:hiddenLine xmlns="" xmlns:a14="http://schemas.microsoft.com/office/drawing/2010/main" w="9525">
                     <a:solidFill>
                       <a:srgbClr val="000000"/>
                     </a:solidFill>
@@ -11439,7 +11444,7 @@
               </a:ln>
               <a:extLst>
                 <a:ext uri="{91240B29-F687-4f45-9708-019B960494DF}">
-                  <a14:hiddenLine xmlns:a14="http://schemas.microsoft.com/office/drawing/2010/main" xmlns="" w="9525">
+                  <a14:hiddenLine xmlns="" xmlns:a14="http://schemas.microsoft.com/office/drawing/2010/main" w="9525">
                     <a:solidFill>
                       <a:srgbClr val="000000"/>
                     </a:solidFill>
@@ -11507,7 +11512,7 @@
               </a:ln>
               <a:extLst>
                 <a:ext uri="{91240B29-F687-4f45-9708-019B960494DF}">
-                  <a14:hiddenLine xmlns:a14="http://schemas.microsoft.com/office/drawing/2010/main" xmlns="" w="9525">
+                  <a14:hiddenLine xmlns="" xmlns:a14="http://schemas.microsoft.com/office/drawing/2010/main" w="9525">
                     <a:solidFill>
                       <a:srgbClr val="000000"/>
                     </a:solidFill>
@@ -11597,7 +11602,7 @@
               </a:ln>
               <a:extLst>
                 <a:ext uri="{91240B29-F687-4f45-9708-019B960494DF}">
-                  <a14:hiddenLine xmlns:a14="http://schemas.microsoft.com/office/drawing/2010/main" xmlns="" w="9525">
+                  <a14:hiddenLine xmlns="" xmlns:a14="http://schemas.microsoft.com/office/drawing/2010/main" w="9525">
                     <a:solidFill>
                       <a:srgbClr val="000000"/>
                     </a:solidFill>
@@ -11665,7 +11670,7 @@
               </a:ln>
               <a:extLst>
                 <a:ext uri="{91240B29-F687-4f45-9708-019B960494DF}">
-                  <a14:hiddenLine xmlns:a14="http://schemas.microsoft.com/office/drawing/2010/main" xmlns="" w="9525">
+                  <a14:hiddenLine xmlns="" xmlns:a14="http://schemas.microsoft.com/office/drawing/2010/main" w="9525">
                     <a:solidFill>
                       <a:srgbClr val="000000"/>
                     </a:solidFill>
@@ -11755,7 +11760,7 @@
               </a:ln>
               <a:extLst>
                 <a:ext uri="{91240B29-F687-4f45-9708-019B960494DF}">
-                  <a14:hiddenLine xmlns:a14="http://schemas.microsoft.com/office/drawing/2010/main" xmlns="" w="9525">
+                  <a14:hiddenLine xmlns="" xmlns:a14="http://schemas.microsoft.com/office/drawing/2010/main" w="9525">
                     <a:solidFill>
                       <a:srgbClr val="000000"/>
                     </a:solidFill>
@@ -11789,7 +11794,7 @@
               </a:ln>
               <a:extLst>
                 <a:ext uri="{91240B29-F687-4f45-9708-019B960494DF}">
-                  <a14:hiddenLine xmlns:a14="http://schemas.microsoft.com/office/drawing/2010/main" xmlns="" w="9525">
+                  <a14:hiddenLine xmlns="" xmlns:a14="http://schemas.microsoft.com/office/drawing/2010/main" w="9525">
                     <a:solidFill>
                       <a:srgbClr val="000000"/>
                     </a:solidFill>
@@ -11930,7 +11935,7 @@
             <a:fld id="{48A87A34-81AB-432B-8DAE-1953F412C126}" type="datetimeFigureOut">
               <a:rPr lang="en-US" dirty="0"/>
               <a:pPr/>
-              <a:t>5/18/2020</a:t>
+              <a:t>7/29/2020</a:t>
             </a:fld>
             <a:endParaRPr lang="en-US" dirty="0"/>
           </a:p>
@@ -12573,7 +12578,15 @@
           <a:p>
             <a:r>
               <a:rPr lang="en-US" sz="3200" dirty="0" smtClean="0"/>
-              <a:t>Raise ticket prices to $54.</a:t>
+              <a:t>Raise ticket prices to </a:t>
+            </a:r>
+            <a:r>
+              <a:rPr lang="en-US" sz="3200" dirty="0" smtClean="0"/>
+              <a:t>$64</a:t>
+            </a:r>
+            <a:r>
+              <a:rPr lang="en-US" sz="3200" dirty="0" smtClean="0"/>
+              <a:t>.</a:t>
             </a:r>
             <a:endParaRPr lang="en-US" sz="3200" dirty="0"/>
           </a:p>
@@ -12666,7 +12679,15 @@
           <a:p>
             <a:r>
               <a:rPr lang="en-US" dirty="0" smtClean="0"/>
-              <a:t>Prices for all three were similar - ~$56 recommended.</a:t>
+              <a:t>Prices for all three were similar - </a:t>
+            </a:r>
+            <a:r>
+              <a:rPr lang="en-US" dirty="0" smtClean="0"/>
+              <a:t>~$64 </a:t>
+            </a:r>
+            <a:r>
+              <a:rPr lang="en-US" dirty="0" smtClean="0"/>
+              <a:t>recommended.</a:t>
             </a:r>
           </a:p>
           <a:p>
